--- a/oneshotgo/data/res/flow.pptx
+++ b/oneshotgo/data/res/flow.pptx
@@ -104,6 +104,11 @@
       </a:defRPr>
     </a:lvl9pPr>
   </p:defaultTextStyle>
+  <p:extLst>
+    <p:ext uri="{EFAFB233-063F-42B5-8137-9DF3F51BA10A}">
+      <p15:sldGuideLst xmlns:p15="http://schemas.microsoft.com/office/powerpoint/2012/main"/>
+    </p:ext>
+  </p:extLst>
 </p:presentation>
 </file>
 
@@ -149,10 +154,9 @@
           </a:lstStyle>
           <a:p>
             <a:r>
-              <a:rPr lang="ko-KR" altLang="en-US" smtClean="0"/>
+              <a:rPr lang="ko-KR" altLang="en-US"/>
               <a:t>마스터 제목 스타일 편집</a:t>
             </a:r>
-            <a:endParaRPr lang="ko-KR" altLang="en-US"/>
           </a:p>
         </p:txBody>
       </p:sp>
@@ -214,10 +218,9 @@
           </a:lstStyle>
           <a:p>
             <a:r>
-              <a:rPr lang="ko-KR" altLang="en-US" smtClean="0"/>
+              <a:rPr lang="ko-KR" altLang="en-US"/>
               <a:t>마스터 부제목 스타일 편집</a:t>
             </a:r>
-            <a:endParaRPr lang="ko-KR" altLang="en-US"/>
           </a:p>
         </p:txBody>
       </p:sp>
@@ -332,10 +335,9 @@
           <a:lstStyle/>
           <a:p>
             <a:r>
-              <a:rPr lang="ko-KR" altLang="en-US" smtClean="0"/>
+              <a:rPr lang="ko-KR" altLang="en-US"/>
               <a:t>마스터 제목 스타일 편집</a:t>
             </a:r>
-            <a:endParaRPr lang="ko-KR" altLang="en-US"/>
           </a:p>
         </p:txBody>
       </p:sp>
@@ -356,38 +358,37 @@
           <a:p>
             <a:pPr lvl="0"/>
             <a:r>
-              <a:rPr lang="ko-KR" altLang="en-US" smtClean="0"/>
+              <a:rPr lang="ko-KR" altLang="en-US"/>
               <a:t>마스터 텍스트 스타일을 편집합니다</a:t>
             </a:r>
           </a:p>
           <a:p>
             <a:pPr lvl="1"/>
             <a:r>
-              <a:rPr lang="ko-KR" altLang="en-US" smtClean="0"/>
+              <a:rPr lang="ko-KR" altLang="en-US"/>
               <a:t>둘째 수준</a:t>
             </a:r>
           </a:p>
           <a:p>
             <a:pPr lvl="2"/>
             <a:r>
-              <a:rPr lang="ko-KR" altLang="en-US" smtClean="0"/>
+              <a:rPr lang="ko-KR" altLang="en-US"/>
               <a:t>셋째 수준</a:t>
             </a:r>
           </a:p>
           <a:p>
             <a:pPr lvl="3"/>
             <a:r>
-              <a:rPr lang="ko-KR" altLang="en-US" smtClean="0"/>
+              <a:rPr lang="ko-KR" altLang="en-US"/>
               <a:t>넷째 수준</a:t>
             </a:r>
           </a:p>
           <a:p>
             <a:pPr lvl="4"/>
             <a:r>
-              <a:rPr lang="ko-KR" altLang="en-US" smtClean="0"/>
+              <a:rPr lang="ko-KR" altLang="en-US"/>
               <a:t>다섯째 수준</a:t>
             </a:r>
-            <a:endParaRPr lang="ko-KR" altLang="en-US"/>
           </a:p>
         </p:txBody>
       </p:sp>
@@ -507,10 +508,9 @@
           <a:lstStyle/>
           <a:p>
             <a:r>
-              <a:rPr lang="ko-KR" altLang="en-US" smtClean="0"/>
+              <a:rPr lang="ko-KR" altLang="en-US"/>
               <a:t>마스터 제목 스타일 편집</a:t>
             </a:r>
-            <a:endParaRPr lang="ko-KR" altLang="en-US"/>
           </a:p>
         </p:txBody>
       </p:sp>
@@ -536,38 +536,37 @@
           <a:p>
             <a:pPr lvl="0"/>
             <a:r>
-              <a:rPr lang="ko-KR" altLang="en-US" smtClean="0"/>
+              <a:rPr lang="ko-KR" altLang="en-US"/>
               <a:t>마스터 텍스트 스타일을 편집합니다</a:t>
             </a:r>
           </a:p>
           <a:p>
             <a:pPr lvl="1"/>
             <a:r>
-              <a:rPr lang="ko-KR" altLang="en-US" smtClean="0"/>
+              <a:rPr lang="ko-KR" altLang="en-US"/>
               <a:t>둘째 수준</a:t>
             </a:r>
           </a:p>
           <a:p>
             <a:pPr lvl="2"/>
             <a:r>
-              <a:rPr lang="ko-KR" altLang="en-US" smtClean="0"/>
+              <a:rPr lang="ko-KR" altLang="en-US"/>
               <a:t>셋째 수준</a:t>
             </a:r>
           </a:p>
           <a:p>
             <a:pPr lvl="3"/>
             <a:r>
-              <a:rPr lang="ko-KR" altLang="en-US" smtClean="0"/>
+              <a:rPr lang="ko-KR" altLang="en-US"/>
               <a:t>넷째 수준</a:t>
             </a:r>
           </a:p>
           <a:p>
             <a:pPr lvl="4"/>
             <a:r>
-              <a:rPr lang="ko-KR" altLang="en-US" smtClean="0"/>
+              <a:rPr lang="ko-KR" altLang="en-US"/>
               <a:t>다섯째 수준</a:t>
             </a:r>
-            <a:endParaRPr lang="ko-KR" altLang="en-US"/>
           </a:p>
         </p:txBody>
       </p:sp>
@@ -682,10 +681,9 @@
           <a:lstStyle/>
           <a:p>
             <a:r>
-              <a:rPr lang="ko-KR" altLang="en-US" smtClean="0"/>
+              <a:rPr lang="ko-KR" altLang="en-US"/>
               <a:t>마스터 제목 스타일 편집</a:t>
             </a:r>
-            <a:endParaRPr lang="ko-KR" altLang="en-US"/>
           </a:p>
         </p:txBody>
       </p:sp>
@@ -706,38 +704,37 @@
           <a:p>
             <a:pPr lvl="0"/>
             <a:r>
-              <a:rPr lang="ko-KR" altLang="en-US" smtClean="0"/>
+              <a:rPr lang="ko-KR" altLang="en-US"/>
               <a:t>마스터 텍스트 스타일을 편집합니다</a:t>
             </a:r>
           </a:p>
           <a:p>
             <a:pPr lvl="1"/>
             <a:r>
-              <a:rPr lang="ko-KR" altLang="en-US" smtClean="0"/>
+              <a:rPr lang="ko-KR" altLang="en-US"/>
               <a:t>둘째 수준</a:t>
             </a:r>
           </a:p>
           <a:p>
             <a:pPr lvl="2"/>
             <a:r>
-              <a:rPr lang="ko-KR" altLang="en-US" smtClean="0"/>
+              <a:rPr lang="ko-KR" altLang="en-US"/>
               <a:t>셋째 수준</a:t>
             </a:r>
           </a:p>
           <a:p>
             <a:pPr lvl="3"/>
             <a:r>
-              <a:rPr lang="ko-KR" altLang="en-US" smtClean="0"/>
+              <a:rPr lang="ko-KR" altLang="en-US"/>
               <a:t>넷째 수준</a:t>
             </a:r>
           </a:p>
           <a:p>
             <a:pPr lvl="4"/>
             <a:r>
-              <a:rPr lang="ko-KR" altLang="en-US" smtClean="0"/>
+              <a:rPr lang="ko-KR" altLang="en-US"/>
               <a:t>다섯째 수준</a:t>
             </a:r>
-            <a:endParaRPr lang="ko-KR" altLang="en-US"/>
           </a:p>
         </p:txBody>
       </p:sp>
@@ -861,10 +858,9 @@
           </a:lstStyle>
           <a:p>
             <a:r>
-              <a:rPr lang="ko-KR" altLang="en-US" smtClean="0"/>
+              <a:rPr lang="ko-KR" altLang="en-US"/>
               <a:t>마스터 제목 스타일 편집</a:t>
             </a:r>
-            <a:endParaRPr lang="ko-KR" altLang="en-US"/>
           </a:p>
         </p:txBody>
       </p:sp>
@@ -981,7 +977,7 @@
           <a:p>
             <a:pPr lvl="0"/>
             <a:r>
-              <a:rPr lang="ko-KR" altLang="en-US" smtClean="0"/>
+              <a:rPr lang="ko-KR" altLang="en-US"/>
               <a:t>마스터 텍스트 스타일을 편집합니다</a:t>
             </a:r>
           </a:p>
@@ -1098,10 +1094,9 @@
           <a:lstStyle/>
           <a:p>
             <a:r>
-              <a:rPr lang="ko-KR" altLang="en-US" smtClean="0"/>
+              <a:rPr lang="ko-KR" altLang="en-US"/>
               <a:t>마스터 제목 스타일 편집</a:t>
             </a:r>
-            <a:endParaRPr lang="ko-KR" altLang="en-US"/>
           </a:p>
         </p:txBody>
       </p:sp>
@@ -1127,38 +1122,37 @@
           <a:p>
             <a:pPr lvl="0"/>
             <a:r>
-              <a:rPr lang="ko-KR" altLang="en-US" smtClean="0"/>
+              <a:rPr lang="ko-KR" altLang="en-US"/>
               <a:t>마스터 텍스트 스타일을 편집합니다</a:t>
             </a:r>
           </a:p>
           <a:p>
             <a:pPr lvl="1"/>
             <a:r>
-              <a:rPr lang="ko-KR" altLang="en-US" smtClean="0"/>
+              <a:rPr lang="ko-KR" altLang="en-US"/>
               <a:t>둘째 수준</a:t>
             </a:r>
           </a:p>
           <a:p>
             <a:pPr lvl="2"/>
             <a:r>
-              <a:rPr lang="ko-KR" altLang="en-US" smtClean="0"/>
+              <a:rPr lang="ko-KR" altLang="en-US"/>
               <a:t>셋째 수준</a:t>
             </a:r>
           </a:p>
           <a:p>
             <a:pPr lvl="3"/>
             <a:r>
-              <a:rPr lang="ko-KR" altLang="en-US" smtClean="0"/>
+              <a:rPr lang="ko-KR" altLang="en-US"/>
               <a:t>넷째 수준</a:t>
             </a:r>
           </a:p>
           <a:p>
             <a:pPr lvl="4"/>
             <a:r>
-              <a:rPr lang="ko-KR" altLang="en-US" smtClean="0"/>
+              <a:rPr lang="ko-KR" altLang="en-US"/>
               <a:t>다섯째 수준</a:t>
             </a:r>
-            <a:endParaRPr lang="ko-KR" altLang="en-US"/>
           </a:p>
         </p:txBody>
       </p:sp>
@@ -1184,38 +1178,37 @@
           <a:p>
             <a:pPr lvl="0"/>
             <a:r>
-              <a:rPr lang="ko-KR" altLang="en-US" smtClean="0"/>
+              <a:rPr lang="ko-KR" altLang="en-US"/>
               <a:t>마스터 텍스트 스타일을 편집합니다</a:t>
             </a:r>
           </a:p>
           <a:p>
             <a:pPr lvl="1"/>
             <a:r>
-              <a:rPr lang="ko-KR" altLang="en-US" smtClean="0"/>
+              <a:rPr lang="ko-KR" altLang="en-US"/>
               <a:t>둘째 수준</a:t>
             </a:r>
           </a:p>
           <a:p>
             <a:pPr lvl="2"/>
             <a:r>
-              <a:rPr lang="ko-KR" altLang="en-US" smtClean="0"/>
+              <a:rPr lang="ko-KR" altLang="en-US"/>
               <a:t>셋째 수준</a:t>
             </a:r>
           </a:p>
           <a:p>
             <a:pPr lvl="3"/>
             <a:r>
-              <a:rPr lang="ko-KR" altLang="en-US" smtClean="0"/>
+              <a:rPr lang="ko-KR" altLang="en-US"/>
               <a:t>넷째 수준</a:t>
             </a:r>
           </a:p>
           <a:p>
             <a:pPr lvl="4"/>
             <a:r>
-              <a:rPr lang="ko-KR" altLang="en-US" smtClean="0"/>
+              <a:rPr lang="ko-KR" altLang="en-US"/>
               <a:t>다섯째 수준</a:t>
             </a:r>
-            <a:endParaRPr lang="ko-KR" altLang="en-US"/>
           </a:p>
         </p:txBody>
       </p:sp>
@@ -1335,10 +1328,9 @@
           <a:lstStyle/>
           <a:p>
             <a:r>
-              <a:rPr lang="ko-KR" altLang="en-US" smtClean="0"/>
+              <a:rPr lang="ko-KR" altLang="en-US"/>
               <a:t>마스터 제목 스타일 편집</a:t>
             </a:r>
-            <a:endParaRPr lang="ko-KR" altLang="en-US"/>
           </a:p>
         </p:txBody>
       </p:sp>
@@ -1401,7 +1393,7 @@
           <a:p>
             <a:pPr lvl="0"/>
             <a:r>
-              <a:rPr lang="ko-KR" altLang="en-US" smtClean="0"/>
+              <a:rPr lang="ko-KR" altLang="en-US"/>
               <a:t>마스터 텍스트 스타일을 편집합니다</a:t>
             </a:r>
           </a:p>
@@ -1429,38 +1421,37 @@
           <a:p>
             <a:pPr lvl="0"/>
             <a:r>
-              <a:rPr lang="ko-KR" altLang="en-US" smtClean="0"/>
+              <a:rPr lang="ko-KR" altLang="en-US"/>
               <a:t>마스터 텍스트 스타일을 편집합니다</a:t>
             </a:r>
           </a:p>
           <a:p>
             <a:pPr lvl="1"/>
             <a:r>
-              <a:rPr lang="ko-KR" altLang="en-US" smtClean="0"/>
+              <a:rPr lang="ko-KR" altLang="en-US"/>
               <a:t>둘째 수준</a:t>
             </a:r>
           </a:p>
           <a:p>
             <a:pPr lvl="2"/>
             <a:r>
-              <a:rPr lang="ko-KR" altLang="en-US" smtClean="0"/>
+              <a:rPr lang="ko-KR" altLang="en-US"/>
               <a:t>셋째 수준</a:t>
             </a:r>
           </a:p>
           <a:p>
             <a:pPr lvl="3"/>
             <a:r>
-              <a:rPr lang="ko-KR" altLang="en-US" smtClean="0"/>
+              <a:rPr lang="ko-KR" altLang="en-US"/>
               <a:t>넷째 수준</a:t>
             </a:r>
           </a:p>
           <a:p>
             <a:pPr lvl="4"/>
             <a:r>
-              <a:rPr lang="ko-KR" altLang="en-US" smtClean="0"/>
+              <a:rPr lang="ko-KR" altLang="en-US"/>
               <a:t>다섯째 수준</a:t>
             </a:r>
-            <a:endParaRPr lang="ko-KR" altLang="en-US"/>
           </a:p>
         </p:txBody>
       </p:sp>
@@ -1523,7 +1514,7 @@
           <a:p>
             <a:pPr lvl="0"/>
             <a:r>
-              <a:rPr lang="ko-KR" altLang="en-US" smtClean="0"/>
+              <a:rPr lang="ko-KR" altLang="en-US"/>
               <a:t>마스터 텍스트 스타일을 편집합니다</a:t>
             </a:r>
           </a:p>
@@ -1551,38 +1542,37 @@
           <a:p>
             <a:pPr lvl="0"/>
             <a:r>
-              <a:rPr lang="ko-KR" altLang="en-US" smtClean="0"/>
+              <a:rPr lang="ko-KR" altLang="en-US"/>
               <a:t>마스터 텍스트 스타일을 편집합니다</a:t>
             </a:r>
           </a:p>
           <a:p>
             <a:pPr lvl="1"/>
             <a:r>
-              <a:rPr lang="ko-KR" altLang="en-US" smtClean="0"/>
+              <a:rPr lang="ko-KR" altLang="en-US"/>
               <a:t>둘째 수준</a:t>
             </a:r>
           </a:p>
           <a:p>
             <a:pPr lvl="2"/>
             <a:r>
-              <a:rPr lang="ko-KR" altLang="en-US" smtClean="0"/>
+              <a:rPr lang="ko-KR" altLang="en-US"/>
               <a:t>셋째 수준</a:t>
             </a:r>
           </a:p>
           <a:p>
             <a:pPr lvl="3"/>
             <a:r>
-              <a:rPr lang="ko-KR" altLang="en-US" smtClean="0"/>
+              <a:rPr lang="ko-KR" altLang="en-US"/>
               <a:t>넷째 수준</a:t>
             </a:r>
           </a:p>
           <a:p>
             <a:pPr lvl="4"/>
             <a:r>
-              <a:rPr lang="ko-KR" altLang="en-US" smtClean="0"/>
+              <a:rPr lang="ko-KR" altLang="en-US"/>
               <a:t>다섯째 수준</a:t>
             </a:r>
-            <a:endParaRPr lang="ko-KR" altLang="en-US"/>
           </a:p>
         </p:txBody>
       </p:sp>
@@ -1697,10 +1687,9 @@
           <a:lstStyle/>
           <a:p>
             <a:r>
-              <a:rPr lang="ko-KR" altLang="en-US" smtClean="0"/>
+              <a:rPr lang="ko-KR" altLang="en-US"/>
               <a:t>마스터 제목 스타일 편집</a:t>
             </a:r>
-            <a:endParaRPr lang="ko-KR" altLang="en-US"/>
           </a:p>
         </p:txBody>
       </p:sp>
@@ -1919,10 +1908,9 @@
           </a:lstStyle>
           <a:p>
             <a:r>
-              <a:rPr lang="ko-KR" altLang="en-US" smtClean="0"/>
+              <a:rPr lang="ko-KR" altLang="en-US"/>
               <a:t>마스터 제목 스타일 편집</a:t>
             </a:r>
-            <a:endParaRPr lang="ko-KR" altLang="en-US"/>
           </a:p>
         </p:txBody>
       </p:sp>
@@ -1976,38 +1964,37 @@
           <a:p>
             <a:pPr lvl="0"/>
             <a:r>
-              <a:rPr lang="ko-KR" altLang="en-US" smtClean="0"/>
+              <a:rPr lang="ko-KR" altLang="en-US"/>
               <a:t>마스터 텍스트 스타일을 편집합니다</a:t>
             </a:r>
           </a:p>
           <a:p>
             <a:pPr lvl="1"/>
             <a:r>
-              <a:rPr lang="ko-KR" altLang="en-US" smtClean="0"/>
+              <a:rPr lang="ko-KR" altLang="en-US"/>
               <a:t>둘째 수준</a:t>
             </a:r>
           </a:p>
           <a:p>
             <a:pPr lvl="2"/>
             <a:r>
-              <a:rPr lang="ko-KR" altLang="en-US" smtClean="0"/>
+              <a:rPr lang="ko-KR" altLang="en-US"/>
               <a:t>셋째 수준</a:t>
             </a:r>
           </a:p>
           <a:p>
             <a:pPr lvl="3"/>
             <a:r>
-              <a:rPr lang="ko-KR" altLang="en-US" smtClean="0"/>
+              <a:rPr lang="ko-KR" altLang="en-US"/>
               <a:t>넷째 수준</a:t>
             </a:r>
           </a:p>
           <a:p>
             <a:pPr lvl="4"/>
             <a:r>
-              <a:rPr lang="ko-KR" altLang="en-US" smtClean="0"/>
+              <a:rPr lang="ko-KR" altLang="en-US"/>
               <a:t>다섯째 수준</a:t>
             </a:r>
-            <a:endParaRPr lang="ko-KR" altLang="en-US"/>
           </a:p>
         </p:txBody>
       </p:sp>
@@ -2070,7 +2057,7 @@
           <a:p>
             <a:pPr lvl="0"/>
             <a:r>
-              <a:rPr lang="ko-KR" altLang="en-US" smtClean="0"/>
+              <a:rPr lang="ko-KR" altLang="en-US"/>
               <a:t>마스터 텍스트 스타일을 편집합니다</a:t>
             </a:r>
           </a:p>
@@ -2196,10 +2183,9 @@
           </a:lstStyle>
           <a:p>
             <a:r>
-              <a:rPr lang="ko-KR" altLang="en-US" smtClean="0"/>
+              <a:rPr lang="ko-KR" altLang="en-US"/>
               <a:t>마스터 제목 스타일 편집</a:t>
             </a:r>
-            <a:endParaRPr lang="ko-KR" altLang="en-US"/>
           </a:p>
         </p:txBody>
       </p:sp>
@@ -2323,7 +2309,7 @@
           <a:p>
             <a:pPr lvl="0"/>
             <a:r>
-              <a:rPr lang="ko-KR" altLang="en-US" smtClean="0"/>
+              <a:rPr lang="ko-KR" altLang="en-US"/>
               <a:t>마스터 텍스트 스타일을 편집합니다</a:t>
             </a:r>
           </a:p>
@@ -2455,10 +2441,9 @@
           <a:lstStyle/>
           <a:p>
             <a:r>
-              <a:rPr lang="ko-KR" altLang="en-US" smtClean="0"/>
+              <a:rPr lang="ko-KR" altLang="en-US"/>
               <a:t>마스터 제목 스타일 편집</a:t>
             </a:r>
-            <a:endParaRPr lang="ko-KR" altLang="en-US"/>
           </a:p>
         </p:txBody>
       </p:sp>
@@ -2489,38 +2474,37 @@
           <a:p>
             <a:pPr lvl="0"/>
             <a:r>
-              <a:rPr lang="ko-KR" altLang="en-US" smtClean="0"/>
+              <a:rPr lang="ko-KR" altLang="en-US"/>
               <a:t>마스터 텍스트 스타일을 편집합니다</a:t>
             </a:r>
           </a:p>
           <a:p>
             <a:pPr lvl="1"/>
             <a:r>
-              <a:rPr lang="ko-KR" altLang="en-US" smtClean="0"/>
+              <a:rPr lang="ko-KR" altLang="en-US"/>
               <a:t>둘째 수준</a:t>
             </a:r>
           </a:p>
           <a:p>
             <a:pPr lvl="2"/>
             <a:r>
-              <a:rPr lang="ko-KR" altLang="en-US" smtClean="0"/>
+              <a:rPr lang="ko-KR" altLang="en-US"/>
               <a:t>셋째 수준</a:t>
             </a:r>
           </a:p>
           <a:p>
             <a:pPr lvl="3"/>
             <a:r>
-              <a:rPr lang="ko-KR" altLang="en-US" smtClean="0"/>
+              <a:rPr lang="ko-KR" altLang="en-US"/>
               <a:t>넷째 수준</a:t>
             </a:r>
           </a:p>
           <a:p>
             <a:pPr lvl="4"/>
             <a:r>
-              <a:rPr lang="ko-KR" altLang="en-US" smtClean="0"/>
+              <a:rPr lang="ko-KR" altLang="en-US"/>
               <a:t>다섯째 수준</a:t>
             </a:r>
-            <a:endParaRPr lang="ko-KR" altLang="en-US"/>
           </a:p>
         </p:txBody>
       </p:sp>
@@ -2980,7 +2964,7 @@
         </p:blipFill>
         <p:spPr>
           <a:xfrm>
-            <a:off x="880048" y="3049531"/>
+            <a:off x="1041062" y="1153620"/>
             <a:ext cx="886203" cy="898343"/>
           </a:xfrm>
           <a:prstGeom prst="rect">
@@ -3004,7 +2988,7 @@
         </p:blipFill>
         <p:spPr>
           <a:xfrm>
-            <a:off x="3155164" y="3049531"/>
+            <a:off x="3316178" y="1153620"/>
             <a:ext cx="898343" cy="898343"/>
           </a:xfrm>
           <a:prstGeom prst="rect">
@@ -3020,7 +3004,7 @@
         </p:nvCxnSpPr>
         <p:spPr>
           <a:xfrm>
-            <a:off x="1940899" y="3362151"/>
+            <a:off x="2101913" y="1466240"/>
             <a:ext cx="964970" cy="0"/>
           </a:xfrm>
           <a:prstGeom prst="straightConnector1">
@@ -3056,7 +3040,7 @@
         </p:nvCxnSpPr>
         <p:spPr>
           <a:xfrm rot="10800000">
-            <a:off x="1902008" y="3614945"/>
+            <a:off x="2063022" y="1719034"/>
             <a:ext cx="964970" cy="0"/>
           </a:xfrm>
           <a:prstGeom prst="straightConnector1">
@@ -3094,7 +3078,7 @@
             </p:nvSpPr>
             <p:spPr>
               <a:xfrm>
-                <a:off x="1870103" y="3672650"/>
+                <a:off x="2030108" y="1758083"/>
                 <a:ext cx="1110497" cy="369332"/>
               </a:xfrm>
               <a:prstGeom prst="rect">
@@ -3108,6 +3092,7 @@
               </a:bodyPr>
               <a:lstStyle/>
               <a:p>
+                <a:pPr/>
                 <a14:m>
                   <m:oMathPara xmlns:m="http://schemas.openxmlformats.org/officeDocument/2006/math">
                     <m:oMathParaPr>
@@ -3157,13 +3142,13 @@
             </p:nvSpPr>
             <p:spPr>
               <a:xfrm>
-                <a:off x="1870103" y="3672650"/>
+                <a:off x="2030108" y="1758083"/>
                 <a:ext cx="1110497" cy="369332"/>
               </a:xfrm>
               <a:prstGeom prst="rect">
                 <a:avLst/>
               </a:prstGeom>
-              <a:blipFill rotWithShape="0">
+              <a:blipFill>
                 <a:blip r:embed="rId4"/>
                 <a:stretch>
                   <a:fillRect b="-16393"/>
@@ -3195,7 +3180,7 @@
             </p:nvSpPr>
             <p:spPr>
               <a:xfrm>
-                <a:off x="2054437" y="2864865"/>
+                <a:off x="2215451" y="1094789"/>
                 <a:ext cx="712887" cy="369332"/>
               </a:xfrm>
               <a:prstGeom prst="rect">
@@ -3209,6 +3194,7 @@
               </a:bodyPr>
               <a:lstStyle/>
               <a:p>
+                <a:pPr/>
                 <a14:m>
                   <m:oMathPara xmlns:m="http://schemas.openxmlformats.org/officeDocument/2006/math">
                     <m:oMathParaPr>
@@ -3246,13 +3232,13 @@
             </p:nvSpPr>
             <p:spPr>
               <a:xfrm>
-                <a:off x="2054437" y="2864865"/>
+                <a:off x="2215451" y="1094789"/>
                 <a:ext cx="712887" cy="369332"/>
               </a:xfrm>
               <a:prstGeom prst="rect">
                 <a:avLst/>
               </a:prstGeom>
-              <a:blipFill rotWithShape="0">
+              <a:blipFill>
                 <a:blip r:embed="rId5"/>
                 <a:stretch>
                   <a:fillRect/>
@@ -3282,8 +3268,8 @@
         </p:nvSpPr>
         <p:spPr>
           <a:xfrm>
-            <a:off x="600130" y="2749078"/>
-            <a:ext cx="3813250" cy="1505677"/>
+            <a:off x="761144" y="853167"/>
+            <a:ext cx="3813250" cy="1495325"/>
           </a:xfrm>
           <a:prstGeom prst="roundRect">
             <a:avLst/>
@@ -3336,7 +3322,7 @@
         </p:nvCxnSpPr>
         <p:spPr>
           <a:xfrm>
-            <a:off x="4511247" y="3533788"/>
+            <a:off x="4672261" y="1637877"/>
             <a:ext cx="964970" cy="0"/>
           </a:xfrm>
           <a:prstGeom prst="straightConnector1">
@@ -3386,7 +3372,7 @@
         </p:blipFill>
         <p:spPr>
           <a:xfrm>
-            <a:off x="5606231" y="2676645"/>
+            <a:off x="5889570" y="853155"/>
             <a:ext cx="1529965" cy="1547156"/>
           </a:xfrm>
           <a:prstGeom prst="rect">
@@ -3410,8 +3396,8 @@
         </p:blipFill>
         <p:spPr>
           <a:xfrm>
-            <a:off x="9419190" y="2882106"/>
-            <a:ext cx="1352137" cy="1340669"/>
+            <a:off x="9344471" y="3923354"/>
+            <a:ext cx="990632" cy="982230"/>
           </a:xfrm>
           <a:prstGeom prst="rect">
             <a:avLst/>
@@ -3434,8 +3420,8 @@
         </p:blipFill>
         <p:spPr>
           <a:xfrm>
-            <a:off x="9428523" y="4578701"/>
-            <a:ext cx="1292632" cy="1345936"/>
+            <a:off x="9362598" y="5229177"/>
+            <a:ext cx="968877" cy="1008831"/>
           </a:xfrm>
           <a:prstGeom prst="rect">
             <a:avLst/>
@@ -3451,7 +3437,7 @@
           <p:nvPr/>
         </p:nvPicPr>
         <p:blipFill>
-          <a:blip r:embed="rId9">
+          <a:blip r:embed="rId9" cstate="print">
             <a:extLst>
               <a:ext uri="{28A0092B-C50C-407E-A947-70E740481C1C}">
                 <a14:useLocalDpi xmlns:a14="http://schemas.microsoft.com/office/drawing/2010/main" val="0"/>
@@ -3464,8 +3450,8 @@
         </p:blipFill>
         <p:spPr>
           <a:xfrm>
-            <a:off x="9409857" y="1165768"/>
-            <a:ext cx="1352137" cy="1352137"/>
+            <a:off x="9338301" y="2580108"/>
+            <a:ext cx="990632" cy="990632"/>
           </a:xfrm>
           <a:prstGeom prst="rect">
             <a:avLst/>
@@ -3480,8 +3466,8 @@
         </p:nvSpPr>
         <p:spPr>
           <a:xfrm>
-            <a:off x="8566151" y="834145"/>
-            <a:ext cx="3134433" cy="5193433"/>
+            <a:off x="8502983" y="2181372"/>
+            <a:ext cx="2816087" cy="4190851"/>
           </a:xfrm>
           <a:prstGeom prst="roundRect">
             <a:avLst/>
@@ -3536,7 +3522,7 @@
             </p:nvSpPr>
             <p:spPr>
               <a:xfrm>
-                <a:off x="9241498" y="350666"/>
+                <a:off x="9052495" y="1697893"/>
                 <a:ext cx="1707519" cy="369332"/>
               </a:xfrm>
               <a:prstGeom prst="rect">
@@ -3545,11 +3531,12 @@
               <a:noFill/>
             </p:spPr>
             <p:txBody>
-              <a:bodyPr wrap="none" rtlCol="0">
+              <a:bodyPr wrap="square" rtlCol="0">
                 <a:spAutoFit/>
               </a:bodyPr>
               <a:lstStyle/>
               <a:p>
+                <a:pPr/>
                 <a14:m>
                   <m:oMathPara xmlns:m="http://schemas.openxmlformats.org/officeDocument/2006/math">
                     <m:oMathParaPr>
@@ -3560,7 +3547,7 @@
                         <a:rPr lang="en-US" altLang="ko-KR" b="1" i="1" dirty="0" smtClean="0">
                           <a:latin typeface="Cambria Math" panose="02040503050406030204" pitchFamily="18" charset="0"/>
                         </a:rPr>
-                        <m:t>𝑼𝒏𝒔𝒆𝒆𝒅</m:t>
+                        <m:t>𝑼𝒏𝒔𝒆𝒆𝒏</m:t>
                       </m:r>
                       <m:r>
                         <a:rPr lang="en-US" altLang="ko-KR" b="1" i="1" dirty="0" smtClean="0">
@@ -3593,13 +3580,13 @@
             </p:nvSpPr>
             <p:spPr>
               <a:xfrm>
-                <a:off x="9241498" y="350666"/>
+                <a:off x="9052495" y="1697893"/>
                 <a:ext cx="1707519" cy="369332"/>
               </a:xfrm>
               <a:prstGeom prst="rect">
                 <a:avLst/>
               </a:prstGeom>
-              <a:blipFill rotWithShape="0">
+              <a:blipFill>
                 <a:blip r:embed="rId10"/>
                 <a:stretch>
                   <a:fillRect/>
@@ -3631,8 +3618,8 @@
             </p:nvSpPr>
             <p:spPr>
               <a:xfrm>
-                <a:off x="8835201" y="2606508"/>
-                <a:ext cx="2397836" cy="307777"/>
+                <a:off x="8788810" y="3625815"/>
+                <a:ext cx="2212060" cy="307777"/>
               </a:xfrm>
               <a:prstGeom prst="rect">
                 <a:avLst/>
@@ -3640,11 +3627,12 @@
               <a:noFill/>
             </p:spPr>
             <p:txBody>
-              <a:bodyPr wrap="none" rtlCol="0">
+              <a:bodyPr wrap="square" rtlCol="0">
                 <a:spAutoFit/>
               </a:bodyPr>
               <a:lstStyle/>
               <a:p>
+                <a:pPr/>
                 <a14:m>
                   <m:oMathPara xmlns:m="http://schemas.openxmlformats.org/officeDocument/2006/math">
                     <m:oMathParaPr>
@@ -3724,16 +3712,16 @@
             </p:nvSpPr>
             <p:spPr>
               <a:xfrm>
-                <a:off x="8835201" y="2606508"/>
-                <a:ext cx="2397836" cy="307777"/>
+                <a:off x="8788810" y="3625815"/>
+                <a:ext cx="2212060" cy="307777"/>
               </a:xfrm>
               <a:prstGeom prst="rect">
                 <a:avLst/>
               </a:prstGeom>
-              <a:blipFill rotWithShape="0">
+              <a:blipFill>
                 <a:blip r:embed="rId11"/>
                 <a:stretch>
-                  <a:fillRect b="-12000"/>
+                  <a:fillRect r="-2755" b="-12000"/>
                 </a:stretch>
               </a:blipFill>
             </p:spPr>
@@ -3762,8 +3750,8 @@
             </p:nvSpPr>
             <p:spPr>
               <a:xfrm>
-                <a:off x="8835201" y="868588"/>
-                <a:ext cx="2579296" cy="307777"/>
+                <a:off x="8730088" y="2257761"/>
+                <a:ext cx="2379461" cy="307777"/>
               </a:xfrm>
               <a:prstGeom prst="rect">
                 <a:avLst/>
@@ -3771,11 +3759,12 @@
               <a:noFill/>
             </p:spPr>
             <p:txBody>
-              <a:bodyPr wrap="none" rtlCol="0">
+              <a:bodyPr wrap="square" rtlCol="0">
                 <a:spAutoFit/>
               </a:bodyPr>
               <a:lstStyle/>
               <a:p>
+                <a:pPr/>
                 <a14:m>
                   <m:oMathPara xmlns:m="http://schemas.openxmlformats.org/officeDocument/2006/math">
                     <m:oMathParaPr>
@@ -3861,16 +3850,16 @@
             </p:nvSpPr>
             <p:spPr>
               <a:xfrm>
-                <a:off x="8835201" y="868588"/>
-                <a:ext cx="2579296" cy="307777"/>
+                <a:off x="8730088" y="2257761"/>
+                <a:ext cx="2379461" cy="307777"/>
               </a:xfrm>
               <a:prstGeom prst="rect">
                 <a:avLst/>
               </a:prstGeom>
-              <a:blipFill rotWithShape="0">
+              <a:blipFill>
                 <a:blip r:embed="rId12"/>
                 <a:stretch>
-                  <a:fillRect b="-9804"/>
+                  <a:fillRect r="-3333" b="-9804"/>
                 </a:stretch>
               </a:blipFill>
             </p:spPr>
@@ -3899,7 +3888,7 @@
             </p:nvSpPr>
             <p:spPr>
               <a:xfrm>
-                <a:off x="5882654" y="2202624"/>
+                <a:off x="6169483" y="437365"/>
                 <a:ext cx="970137" cy="369332"/>
               </a:xfrm>
               <a:prstGeom prst="rect">
@@ -3913,6 +3902,7 @@
               </a:bodyPr>
               <a:lstStyle/>
               <a:p>
+                <a:pPr/>
                 <a14:m>
                   <m:oMathPara xmlns:m="http://schemas.openxmlformats.org/officeDocument/2006/math">
                     <m:oMathParaPr>
@@ -3944,13 +3934,13 @@
             </p:nvSpPr>
             <p:spPr>
               <a:xfrm>
-                <a:off x="5882654" y="2202624"/>
+                <a:off x="6169483" y="437365"/>
                 <a:ext cx="970137" cy="369332"/>
               </a:xfrm>
               <a:prstGeom prst="rect">
                 <a:avLst/>
               </a:prstGeom>
-              <a:blipFill rotWithShape="0">
+              <a:blipFill>
                 <a:blip r:embed="rId13"/>
                 <a:stretch>
                   <a:fillRect/>
@@ -3982,8 +3972,8 @@
             </p:nvSpPr>
             <p:spPr>
               <a:xfrm>
-                <a:off x="8835201" y="4261125"/>
-                <a:ext cx="2522870" cy="307777"/>
+                <a:off x="8758587" y="4945680"/>
+                <a:ext cx="2327407" cy="307777"/>
               </a:xfrm>
               <a:prstGeom prst="rect">
                 <a:avLst/>
@@ -3991,11 +3981,12 @@
               <a:noFill/>
             </p:spPr>
             <p:txBody>
-              <a:bodyPr wrap="none" rtlCol="0">
+              <a:bodyPr wrap="square" rtlCol="0">
                 <a:spAutoFit/>
               </a:bodyPr>
               <a:lstStyle/>
               <a:p>
+                <a:pPr/>
                 <a14:m>
                   <m:oMathPara xmlns:m="http://schemas.openxmlformats.org/officeDocument/2006/math">
                     <m:oMathParaPr>
@@ -4075,16 +4066,16 @@
             </p:nvSpPr>
             <p:spPr>
               <a:xfrm>
-                <a:off x="8835201" y="4261125"/>
-                <a:ext cx="2522870" cy="307777"/>
+                <a:off x="8758587" y="4945680"/>
+                <a:ext cx="2327407" cy="307777"/>
               </a:xfrm>
               <a:prstGeom prst="rect">
                 <a:avLst/>
               </a:prstGeom>
-              <a:blipFill rotWithShape="0">
+              <a:blipFill>
                 <a:blip r:embed="rId14"/>
                 <a:stretch>
-                  <a:fillRect b="-12000"/>
+                  <a:fillRect r="-2880" b="-9804"/>
                 </a:stretch>
               </a:blipFill>
             </p:spPr>
@@ -4113,8 +4104,8 @@
             </p:nvSpPr>
             <p:spPr>
               <a:xfrm>
-                <a:off x="1295032" y="2315686"/>
-                <a:ext cx="3013967" cy="369332"/>
+                <a:off x="761144" y="437365"/>
+                <a:ext cx="3837909" cy="369332"/>
               </a:xfrm>
               <a:prstGeom prst="rect">
                 <a:avLst/>
@@ -4127,6 +4118,7 @@
               </a:bodyPr>
               <a:lstStyle/>
               <a:p>
+                <a:pPr/>
                 <a14:m>
                   <m:oMathPara xmlns:m="http://schemas.openxmlformats.org/officeDocument/2006/math">
                     <m:oMathParaPr>
@@ -4161,7 +4153,7 @@
                         <a:rPr lang="en-US" altLang="ko-KR" b="1" i="1" dirty="0" smtClean="0">
                           <a:latin typeface="Cambria Math" panose="02040503050406030204" pitchFamily="18" charset="0"/>
                         </a:rPr>
-                        <m:t>𝒂</m:t>
+                        <m:t>𝒐𝒏𝒍𝒚</m:t>
                       </m:r>
                       <m:r>
                         <a:rPr lang="en-US" altLang="ko-KR" b="1" i="1" dirty="0" smtClean="0">
@@ -4173,7 +4165,7 @@
                         <a:rPr lang="en-US" altLang="ko-KR" b="1" i="1" dirty="0" smtClean="0">
                           <a:latin typeface="Cambria Math" panose="02040503050406030204" pitchFamily="18" charset="0"/>
                         </a:rPr>
-                        <m:t>𝒔𝒊𝒏𝒈𝒍𝒆</m:t>
+                        <m:t>𝑶𝒏𝒆</m:t>
                       </m:r>
                       <m:r>
                         <a:rPr lang="en-US" altLang="ko-KR" b="1" i="1" dirty="0" smtClean="0">
@@ -4185,7 +4177,19 @@
                         <a:rPr lang="en-US" altLang="ko-KR" b="1" i="1" dirty="0" smtClean="0">
                           <a:latin typeface="Cambria Math" panose="02040503050406030204" pitchFamily="18" charset="0"/>
                         </a:rPr>
-                        <m:t>𝒅𝒂𝒕𝒂</m:t>
+                        <m:t>𝑺𝒎𝒂𝒍𝒍</m:t>
+                      </m:r>
+                      <m:r>
+                        <a:rPr lang="en-US" altLang="ko-KR" b="1" i="1" dirty="0" smtClean="0">
+                          <a:latin typeface="Cambria Math" panose="02040503050406030204" pitchFamily="18" charset="0"/>
+                        </a:rPr>
+                        <m:t> </m:t>
+                      </m:r>
+                      <m:r>
+                        <a:rPr lang="en-US" altLang="ko-KR" b="1" i="1" dirty="0" smtClean="0">
+                          <a:latin typeface="Cambria Math" panose="02040503050406030204" pitchFamily="18" charset="0"/>
+                        </a:rPr>
+                        <m:t>𝑫𝒂𝒕𝒂</m:t>
                       </m:r>
                     </m:oMath>
                   </m:oMathPara>
@@ -4206,13 +4210,13 @@
             </p:nvSpPr>
             <p:spPr>
               <a:xfrm>
-                <a:off x="1295032" y="2315686"/>
-                <a:ext cx="3013967" cy="369332"/>
+                <a:off x="761144" y="437365"/>
+                <a:ext cx="3837909" cy="369332"/>
               </a:xfrm>
               <a:prstGeom prst="rect">
                 <a:avLst/>
               </a:prstGeom>
-              <a:blipFill rotWithShape="0">
+              <a:blipFill>
                 <a:blip r:embed="rId15"/>
                 <a:stretch>
                   <a:fillRect b="-18333"/>
@@ -4244,7 +4248,7 @@
             </p:nvSpPr>
             <p:spPr>
               <a:xfrm>
-                <a:off x="7523695" y="3533788"/>
+                <a:off x="7374803" y="3527508"/>
                 <a:ext cx="748923" cy="369332"/>
               </a:xfrm>
               <a:prstGeom prst="rect">
@@ -4258,6 +4262,7 @@
               </a:bodyPr>
               <a:lstStyle/>
               <a:p>
+                <a:pPr/>
                 <a14:m>
                   <m:oMathPara xmlns:m="http://schemas.openxmlformats.org/officeDocument/2006/math">
                     <m:oMathParaPr>
@@ -4289,13 +4294,13 @@
             </p:nvSpPr>
             <p:spPr>
               <a:xfrm>
-                <a:off x="7523695" y="3533788"/>
+                <a:off x="7374803" y="3527508"/>
                 <a:ext cx="748923" cy="369332"/>
               </a:xfrm>
               <a:prstGeom prst="rect">
                 <a:avLst/>
               </a:prstGeom>
-              <a:blipFill rotWithShape="0">
+              <a:blipFill>
                 <a:blip r:embed="rId16"/>
                 <a:stretch>
                   <a:fillRect/>
@@ -4319,14 +4324,397 @@
       </mc:AlternateContent>
       <p:cxnSp>
         <p:nvCxnSpPr>
-          <p:cNvPr id="72" name="직선 화살표 연결선 71"/>
+          <p:cNvPr id="27" name="직선 화살표 연결선 26">
+            <a:extLst>
+              <a:ext uri="{FF2B5EF4-FFF2-40B4-BE49-F238E27FC236}">
+                <a16:creationId xmlns:a16="http://schemas.microsoft.com/office/drawing/2014/main" id="{4870A2D2-C1D3-4B2B-A44E-14E2470448EE}"/>
+              </a:ext>
+            </a:extLst>
+          </p:cNvPr>
+          <p:cNvCxnSpPr>
+            <a:cxnSpLocks/>
+          </p:cNvCxnSpPr>
+          <p:nvPr/>
+        </p:nvCxnSpPr>
+        <p:spPr>
+          <a:xfrm>
+            <a:off x="6690293" y="2512974"/>
+            <a:ext cx="0" cy="914589"/>
+          </a:xfrm>
+          <a:prstGeom prst="straightConnector1">
+            <a:avLst/>
+          </a:prstGeom>
+          <a:ln w="38100">
+            <a:solidFill>
+              <a:schemeClr val="tx1"/>
+            </a:solidFill>
+            <a:tailEnd type="triangle"/>
+          </a:ln>
+        </p:spPr>
+        <p:style>
+          <a:lnRef idx="1">
+            <a:schemeClr val="dk1"/>
+          </a:lnRef>
+          <a:fillRef idx="0">
+            <a:schemeClr val="dk1"/>
+          </a:fillRef>
+          <a:effectRef idx="0">
+            <a:schemeClr val="dk1"/>
+          </a:effectRef>
+          <a:fontRef idx="minor">
+            <a:schemeClr val="tx1"/>
+          </a:fontRef>
+        </p:style>
+      </p:cxnSp>
+      <mc:AlternateContent xmlns:mc="http://schemas.openxmlformats.org/markup-compatibility/2006">
+        <mc:Choice xmlns:a14="http://schemas.microsoft.com/office/drawing/2010/main" Requires="a14">
+          <p:sp>
+            <p:nvSpPr>
+              <p:cNvPr id="28" name="TextBox 27">
+                <a:extLst>
+                  <a:ext uri="{FF2B5EF4-FFF2-40B4-BE49-F238E27FC236}">
+                    <a16:creationId xmlns:a16="http://schemas.microsoft.com/office/drawing/2014/main" id="{A04BB096-4960-4003-8BE7-229E0B06FCA6}"/>
+                  </a:ext>
+                </a:extLst>
+              </p:cNvPr>
+              <p:cNvSpPr txBox="1"/>
+              <p:nvPr/>
+            </p:nvSpPr>
+            <p:spPr>
+              <a:xfrm>
+                <a:off x="4516881" y="2580108"/>
+                <a:ext cx="1928733" cy="646331"/>
+              </a:xfrm>
+              <a:prstGeom prst="rect">
+                <a:avLst/>
+              </a:prstGeom>
+              <a:noFill/>
+            </p:spPr>
+            <p:txBody>
+              <a:bodyPr wrap="none" rtlCol="0">
+                <a:spAutoFit/>
+              </a:bodyPr>
+              <a:lstStyle/>
+              <a:p>
+                <a:pPr/>
+                <a14:m>
+                  <m:oMathPara xmlns:m="http://schemas.openxmlformats.org/officeDocument/2006/math">
+                    <m:oMathParaPr>
+                      <m:jc m:val="center"/>
+                    </m:oMathParaPr>
+                    <m:oMath xmlns:m="http://schemas.openxmlformats.org/officeDocument/2006/math">
+                      <m:r>
+                        <a:rPr lang="en-US" altLang="ko-KR" b="1" i="1" dirty="0" smtClean="0">
+                          <a:latin typeface="Cambria Math" panose="02040503050406030204" pitchFamily="18" charset="0"/>
+                        </a:rPr>
+                        <m:t>𝑫</m:t>
+                      </m:r>
+                      <m:r>
+                        <a:rPr lang="en-US" altLang="ko-KR" b="1" i="1" dirty="0">
+                          <a:latin typeface="Cambria Math" panose="02040503050406030204" pitchFamily="18" charset="0"/>
+                        </a:rPr>
+                        <m:t>𝒊𝒔𝒄𝒓𝒊𝒎𝒊𝒏𝒂𝒕𝒐</m:t>
+                      </m:r>
+                      <m:r>
+                        <a:rPr lang="en-US" altLang="ko-KR" b="1" i="1" dirty="0" smtClean="0">
+                          <a:latin typeface="Cambria Math" panose="02040503050406030204" pitchFamily="18" charset="0"/>
+                        </a:rPr>
+                        <m:t>𝒓</m:t>
+                      </m:r>
+                      <m:r>
+                        <a:rPr lang="en-US" altLang="ko-KR" b="1" i="1" dirty="0" smtClean="0">
+                          <a:latin typeface="Cambria Math" panose="02040503050406030204" pitchFamily="18" charset="0"/>
+                        </a:rPr>
+                        <m:t> </m:t>
+                      </m:r>
+                    </m:oMath>
+                    <m:oMath xmlns:m="http://schemas.openxmlformats.org/officeDocument/2006/math">
+                      <m:r>
+                        <a:rPr lang="en-US" altLang="ko-KR" b="1" i="1" dirty="0" smtClean="0">
+                          <a:latin typeface="Cambria Math" panose="02040503050406030204" pitchFamily="18" charset="0"/>
+                        </a:rPr>
+                        <m:t>(</m:t>
+                      </m:r>
+                      <m:r>
+                        <a:rPr lang="en-US" altLang="ko-KR" b="1" i="1" dirty="0" smtClean="0">
+                          <a:latin typeface="Cambria Math" panose="02040503050406030204" pitchFamily="18" charset="0"/>
+                        </a:rPr>
+                        <m:t>𝑺𝒄𝒐𝒓𝒊𝒏𝒈</m:t>
+                      </m:r>
+                      <m:r>
+                        <a:rPr lang="en-US" altLang="ko-KR" b="1" i="1" dirty="0" smtClean="0">
+                          <a:latin typeface="Cambria Math" panose="02040503050406030204" pitchFamily="18" charset="0"/>
+                        </a:rPr>
+                        <m:t>)</m:t>
+                      </m:r>
+                    </m:oMath>
+                  </m:oMathPara>
+                </a14:m>
+                <a:endParaRPr lang="en-US" altLang="ko-KR" b="1" dirty="0"/>
+              </a:p>
+            </p:txBody>
+          </p:sp>
+        </mc:Choice>
+        <mc:Fallback>
+          <p:sp>
+            <p:nvSpPr>
+              <p:cNvPr id="28" name="TextBox 27">
+                <a:extLst>
+                  <a:ext uri="{FF2B5EF4-FFF2-40B4-BE49-F238E27FC236}">
+                    <a16:creationId xmlns:a16="http://schemas.microsoft.com/office/drawing/2014/main" id="{A04BB096-4960-4003-8BE7-229E0B06FCA6}"/>
+                  </a:ext>
+                </a:extLst>
+              </p:cNvPr>
+              <p:cNvSpPr txBox="1">
+                <a:spLocks noRot="1" noChangeAspect="1" noMove="1" noResize="1" noEditPoints="1" noAdjustHandles="1" noChangeArrowheads="1" noChangeShapeType="1" noTextEdit="1"/>
+              </p:cNvSpPr>
+              <p:nvPr/>
+            </p:nvSpPr>
+            <p:spPr>
+              <a:xfrm>
+                <a:off x="4516881" y="2580108"/>
+                <a:ext cx="1928733" cy="646331"/>
+              </a:xfrm>
+              <a:prstGeom prst="rect">
+                <a:avLst/>
+              </a:prstGeom>
+              <a:blipFill>
+                <a:blip r:embed="rId17"/>
+                <a:stretch>
+                  <a:fillRect b="-9434"/>
+                </a:stretch>
+              </a:blipFill>
+            </p:spPr>
+            <p:txBody>
+              <a:bodyPr/>
+              <a:lstStyle/>
+              <a:p>
+                <a:r>
+                  <a:rPr lang="ko-KR" altLang="en-US">
+                    <a:noFill/>
+                  </a:rPr>
+                  <a:t> </a:t>
+                </a:r>
+              </a:p>
+            </p:txBody>
+          </p:sp>
+        </mc:Fallback>
+      </mc:AlternateContent>
+      <p:sp>
+        <p:nvSpPr>
+          <p:cNvPr id="6" name="직사각형 5">
+            <a:extLst>
+              <a:ext uri="{FF2B5EF4-FFF2-40B4-BE49-F238E27FC236}">
+                <a16:creationId xmlns:a16="http://schemas.microsoft.com/office/drawing/2014/main" id="{0FC49626-AFBE-4724-A1E2-B9EF7211D5F7}"/>
+              </a:ext>
+            </a:extLst>
+          </p:cNvPr>
+          <p:cNvSpPr/>
+          <p:nvPr/>
+        </p:nvSpPr>
+        <p:spPr>
+          <a:xfrm>
+            <a:off x="5961927" y="3587899"/>
+            <a:ext cx="1108938" cy="1062681"/>
+          </a:xfrm>
+          <a:prstGeom prst="rect">
+            <a:avLst/>
+          </a:prstGeom>
+        </p:spPr>
+        <p:style>
+          <a:lnRef idx="2">
+            <a:schemeClr val="dk1">
+              <a:shade val="50000"/>
+            </a:schemeClr>
+          </a:lnRef>
+          <a:fillRef idx="1">
+            <a:schemeClr val="dk1"/>
+          </a:fillRef>
+          <a:effectRef idx="0">
+            <a:schemeClr val="dk1"/>
+          </a:effectRef>
+          <a:fontRef idx="minor">
+            <a:schemeClr val="lt1"/>
+          </a:fontRef>
+        </p:style>
+        <p:txBody>
+          <a:bodyPr rtlCol="0" anchor="ctr"/>
+          <a:lstStyle/>
+          <a:p>
+            <a:pPr algn="ctr"/>
+            <a:endParaRPr lang="en-US" altLang="ko-KR" sz="1400" b="1" dirty="0">
+              <a:ln w="0"/>
+              <a:solidFill>
+                <a:schemeClr val="bg1"/>
+              </a:solidFill>
+              <a:effectLst>
+                <a:outerShdw blurRad="38100" dist="19050" dir="2700000" algn="tl" rotWithShape="0">
+                  <a:schemeClr val="dk1">
+                    <a:alpha val="40000"/>
+                  </a:schemeClr>
+                </a:outerShdw>
+              </a:effectLst>
+            </a:endParaRPr>
+          </a:p>
+          <a:p>
+            <a:pPr algn="ctr"/>
+            <a:r>
+              <a:rPr lang="en-US" altLang="ko-KR" sz="1400" b="1" dirty="0">
+                <a:ln w="0"/>
+                <a:solidFill>
+                  <a:schemeClr val="bg1"/>
+                </a:solidFill>
+                <a:effectLst>
+                  <a:outerShdw blurRad="38100" dist="19050" dir="2700000" algn="tl" rotWithShape="0">
+                    <a:schemeClr val="dk1">
+                      <a:alpha val="40000"/>
+                    </a:schemeClr>
+                  </a:outerShdw>
+                </a:effectLst>
+              </a:rPr>
+              <a:t>Generated</a:t>
+            </a:r>
+          </a:p>
+          <a:p>
+            <a:pPr algn="ctr"/>
+            <a:r>
+              <a:rPr lang="en-US" altLang="ko-KR" sz="1400" b="1" dirty="0">
+                <a:ln w="0"/>
+                <a:solidFill>
+                  <a:schemeClr val="bg1"/>
+                </a:solidFill>
+                <a:effectLst>
+                  <a:outerShdw blurRad="38100" dist="19050" dir="2700000" algn="tl" rotWithShape="0">
+                    <a:schemeClr val="dk1">
+                      <a:alpha val="40000"/>
+                    </a:schemeClr>
+                  </a:outerShdw>
+                </a:effectLst>
+              </a:rPr>
+              <a:t>Mask</a:t>
+            </a:r>
+            <a:endParaRPr lang="ko-KR" altLang="en-US" sz="1400" b="1" dirty="0">
+              <a:ln w="0"/>
+              <a:solidFill>
+                <a:schemeClr val="bg1"/>
+              </a:solidFill>
+              <a:effectLst>
+                <a:outerShdw blurRad="38100" dist="19050" dir="2700000" algn="tl" rotWithShape="0">
+                  <a:schemeClr val="dk1">
+                    <a:alpha val="40000"/>
+                  </a:schemeClr>
+                </a:outerShdw>
+              </a:effectLst>
+            </a:endParaRPr>
+          </a:p>
+          <a:p>
+            <a:pPr algn="ctr"/>
+            <a:endParaRPr lang="ko-KR" altLang="en-US" sz="1400" dirty="0"/>
+          </a:p>
+        </p:txBody>
+      </p:sp>
+      <p:cxnSp>
+        <p:nvCxnSpPr>
+          <p:cNvPr id="32" name="직선 화살표 연결선 31">
+            <a:extLst>
+              <a:ext uri="{FF2B5EF4-FFF2-40B4-BE49-F238E27FC236}">
+                <a16:creationId xmlns:a16="http://schemas.microsoft.com/office/drawing/2014/main" id="{3751325C-8F88-4E3A-8DA6-34E77B5C945A}"/>
+              </a:ext>
+            </a:extLst>
+          </p:cNvPr>
           <p:cNvCxnSpPr/>
           <p:nvPr/>
         </p:nvCxnSpPr>
         <p:spPr>
           <a:xfrm>
-            <a:off x="7387696" y="3468779"/>
+            <a:off x="7305671" y="3975947"/>
             <a:ext cx="964970" cy="0"/>
+          </a:xfrm>
+          <a:prstGeom prst="straightConnector1">
+            <a:avLst/>
+          </a:prstGeom>
+          <a:ln w="38100">
+            <a:solidFill>
+              <a:schemeClr val="tx1"/>
+            </a:solidFill>
+            <a:tailEnd type="triangle"/>
+          </a:ln>
+        </p:spPr>
+        <p:style>
+          <a:lnRef idx="1">
+            <a:schemeClr val="dk1"/>
+          </a:lnRef>
+          <a:fillRef idx="0">
+            <a:schemeClr val="dk1"/>
+          </a:fillRef>
+          <a:effectRef idx="0">
+            <a:schemeClr val="dk1"/>
+          </a:effectRef>
+          <a:fontRef idx="minor">
+            <a:schemeClr val="tx1"/>
+          </a:fontRef>
+        </p:style>
+      </p:cxnSp>
+      <p:cxnSp>
+        <p:nvCxnSpPr>
+          <p:cNvPr id="33" name="직선 화살표 연결선 32">
+            <a:extLst>
+              <a:ext uri="{FF2B5EF4-FFF2-40B4-BE49-F238E27FC236}">
+                <a16:creationId xmlns:a16="http://schemas.microsoft.com/office/drawing/2014/main" id="{DBBC15BC-6FC9-476A-B3F1-107208264519}"/>
+              </a:ext>
+            </a:extLst>
+          </p:cNvPr>
+          <p:cNvCxnSpPr/>
+          <p:nvPr/>
+        </p:nvCxnSpPr>
+        <p:spPr>
+          <a:xfrm rot="10800000">
+            <a:off x="7291947" y="4228741"/>
+            <a:ext cx="964970" cy="0"/>
+          </a:xfrm>
+          <a:prstGeom prst="straightConnector1">
+            <a:avLst/>
+          </a:prstGeom>
+          <a:ln w="38100">
+            <a:solidFill>
+              <a:schemeClr val="tx1"/>
+            </a:solidFill>
+            <a:tailEnd type="triangle"/>
+          </a:ln>
+        </p:spPr>
+        <p:style>
+          <a:lnRef idx="1">
+            <a:schemeClr val="dk1"/>
+          </a:lnRef>
+          <a:fillRef idx="0">
+            <a:schemeClr val="dk1"/>
+          </a:fillRef>
+          <a:effectRef idx="0">
+            <a:schemeClr val="dk1"/>
+          </a:effectRef>
+          <a:fontRef idx="minor">
+            <a:schemeClr val="tx1"/>
+          </a:fontRef>
+        </p:style>
+      </p:cxnSp>
+      <p:cxnSp>
+        <p:nvCxnSpPr>
+          <p:cNvPr id="36" name="직선 화살표 연결선 35">
+            <a:extLst>
+              <a:ext uri="{FF2B5EF4-FFF2-40B4-BE49-F238E27FC236}">
+                <a16:creationId xmlns:a16="http://schemas.microsoft.com/office/drawing/2014/main" id="{98E4887C-0EC8-471B-85D8-2C7FC060A41E}"/>
+              </a:ext>
+            </a:extLst>
+          </p:cNvPr>
+          <p:cNvCxnSpPr>
+            <a:cxnSpLocks/>
+          </p:cNvCxnSpPr>
+          <p:nvPr/>
+        </p:nvCxnSpPr>
+        <p:spPr>
+          <a:xfrm rot="10800000">
+            <a:off x="6445614" y="2479418"/>
+            <a:ext cx="0" cy="914589"/>
           </a:xfrm>
           <a:prstGeom prst="straightConnector1">
             <a:avLst/>

--- a/oneshotgo/data/res/flow.pptx
+++ b/oneshotgo/data/res/flow.pptx
@@ -3068,8 +3068,8 @@
           </a:fontRef>
         </p:style>
       </p:cxnSp>
-      <mc:AlternateContent xmlns:mc="http://schemas.openxmlformats.org/markup-compatibility/2006">
-        <mc:Choice xmlns:a14="http://schemas.microsoft.com/office/drawing/2010/main" Requires="a14">
+      <mc:AlternateContent xmlns:mc="http://schemas.openxmlformats.org/markup-compatibility/2006" xmlns:a14="http://schemas.microsoft.com/office/drawing/2010/main">
+        <mc:Choice Requires="a14">
           <p:sp>
             <p:nvSpPr>
               <p:cNvPr id="22" name="TextBox 21"/>
@@ -3131,7 +3131,7 @@
             </p:txBody>
           </p:sp>
         </mc:Choice>
-        <mc:Fallback>
+        <mc:Fallback xmlns="">
           <p:sp>
             <p:nvSpPr>
               <p:cNvPr id="22" name="TextBox 21"/>
@@ -3170,8 +3170,8 @@
           </p:sp>
         </mc:Fallback>
       </mc:AlternateContent>
-      <mc:AlternateContent xmlns:mc="http://schemas.openxmlformats.org/markup-compatibility/2006">
-        <mc:Choice xmlns:a14="http://schemas.microsoft.com/office/drawing/2010/main" Requires="a14">
+      <mc:AlternateContent xmlns:mc="http://schemas.openxmlformats.org/markup-compatibility/2006" xmlns:a14="http://schemas.microsoft.com/office/drawing/2010/main">
+        <mc:Choice Requires="a14">
           <p:sp>
             <p:nvSpPr>
               <p:cNvPr id="23" name="TextBox 22"/>
@@ -3221,7 +3221,7 @@
             </p:txBody>
           </p:sp>
         </mc:Choice>
-        <mc:Fallback>
+        <mc:Fallback xmlns="">
           <p:sp>
             <p:nvSpPr>
               <p:cNvPr id="23" name="TextBox 22"/>
@@ -3522,7 +3522,7 @@
             </p:nvSpPr>
             <p:spPr>
               <a:xfrm>
-                <a:off x="9052495" y="1697893"/>
+                <a:off x="9035717" y="1714671"/>
                 <a:ext cx="1707519" cy="369332"/>
               </a:xfrm>
               <a:prstGeom prst="rect">
@@ -3580,7 +3580,7 @@
             </p:nvSpPr>
             <p:spPr>
               <a:xfrm>
-                <a:off x="9052495" y="1697893"/>
+                <a:off x="9035717" y="1714671"/>
                 <a:ext cx="1707519" cy="369332"/>
               </a:xfrm>
               <a:prstGeom prst="rect">
@@ -3608,8 +3608,8 @@
           </p:sp>
         </mc:Fallback>
       </mc:AlternateContent>
-      <mc:AlternateContent xmlns:mc="http://schemas.openxmlformats.org/markup-compatibility/2006">
-        <mc:Choice xmlns:a14="http://schemas.microsoft.com/office/drawing/2010/main" Requires="a14">
+      <mc:AlternateContent xmlns:mc="http://schemas.openxmlformats.org/markup-compatibility/2006" xmlns:a14="http://schemas.microsoft.com/office/drawing/2010/main">
+        <mc:Choice Requires="a14">
           <p:sp>
             <p:nvSpPr>
               <p:cNvPr id="64" name="TextBox 63"/>
@@ -3701,7 +3701,7 @@
             </p:txBody>
           </p:sp>
         </mc:Choice>
-        <mc:Fallback>
+        <mc:Fallback xmlns="">
           <p:sp>
             <p:nvSpPr>
               <p:cNvPr id="64" name="TextBox 63"/>
@@ -3740,8 +3740,8 @@
           </p:sp>
         </mc:Fallback>
       </mc:AlternateContent>
-      <mc:AlternateContent xmlns:mc="http://schemas.openxmlformats.org/markup-compatibility/2006">
-        <mc:Choice xmlns:a14="http://schemas.microsoft.com/office/drawing/2010/main" Requires="a14">
+      <mc:AlternateContent xmlns:mc="http://schemas.openxmlformats.org/markup-compatibility/2006" xmlns:a14="http://schemas.microsoft.com/office/drawing/2010/main">
+        <mc:Choice Requires="a14">
           <p:sp>
             <p:nvSpPr>
               <p:cNvPr id="65" name="TextBox 64"/>
@@ -3839,7 +3839,7 @@
             </p:txBody>
           </p:sp>
         </mc:Choice>
-        <mc:Fallback>
+        <mc:Fallback xmlns="">
           <p:sp>
             <p:nvSpPr>
               <p:cNvPr id="65" name="TextBox 64"/>
@@ -3878,8 +3878,8 @@
           </p:sp>
         </mc:Fallback>
       </mc:AlternateContent>
-      <mc:AlternateContent xmlns:mc="http://schemas.openxmlformats.org/markup-compatibility/2006">
-        <mc:Choice xmlns:a14="http://schemas.microsoft.com/office/drawing/2010/main" Requires="a14">
+      <mc:AlternateContent xmlns:mc="http://schemas.openxmlformats.org/markup-compatibility/2006" xmlns:a14="http://schemas.microsoft.com/office/drawing/2010/main">
+        <mc:Choice Requires="a14">
           <p:sp>
             <p:nvSpPr>
               <p:cNvPr id="66" name="TextBox 65"/>
@@ -3923,7 +3923,7 @@
             </p:txBody>
           </p:sp>
         </mc:Choice>
-        <mc:Fallback>
+        <mc:Fallback xmlns="">
           <p:sp>
             <p:nvSpPr>
               <p:cNvPr id="66" name="TextBox 65"/>
@@ -3962,8 +3962,8 @@
           </p:sp>
         </mc:Fallback>
       </mc:AlternateContent>
-      <mc:AlternateContent xmlns:mc="http://schemas.openxmlformats.org/markup-compatibility/2006">
-        <mc:Choice xmlns:a14="http://schemas.microsoft.com/office/drawing/2010/main" Requires="a14">
+      <mc:AlternateContent xmlns:mc="http://schemas.openxmlformats.org/markup-compatibility/2006" xmlns:a14="http://schemas.microsoft.com/office/drawing/2010/main">
+        <mc:Choice Requires="a14">
           <p:sp>
             <p:nvSpPr>
               <p:cNvPr id="67" name="TextBox 66"/>
@@ -4055,7 +4055,7 @@
             </p:txBody>
           </p:sp>
         </mc:Choice>
-        <mc:Fallback>
+        <mc:Fallback xmlns="">
           <p:sp>
             <p:nvSpPr>
               <p:cNvPr id="67" name="TextBox 66"/>
@@ -4094,8 +4094,8 @@
           </p:sp>
         </mc:Fallback>
       </mc:AlternateContent>
-      <mc:AlternateContent xmlns:mc="http://schemas.openxmlformats.org/markup-compatibility/2006">
-        <mc:Choice xmlns:a14="http://schemas.microsoft.com/office/drawing/2010/main" Requires="a14">
+      <mc:AlternateContent xmlns:mc="http://schemas.openxmlformats.org/markup-compatibility/2006" xmlns:a14="http://schemas.microsoft.com/office/drawing/2010/main">
+        <mc:Choice Requires="a14">
           <p:sp>
             <p:nvSpPr>
               <p:cNvPr id="68" name="TextBox 67"/>
@@ -4199,7 +4199,7 @@
             </p:txBody>
           </p:sp>
         </mc:Choice>
-        <mc:Fallback>
+        <mc:Fallback xmlns="">
           <p:sp>
             <p:nvSpPr>
               <p:cNvPr id="68" name="TextBox 67"/>
@@ -4248,7 +4248,7 @@
             </p:nvSpPr>
             <p:spPr>
               <a:xfrm>
-                <a:off x="7374803" y="3527508"/>
+                <a:off x="7483860" y="3544286"/>
                 <a:ext cx="748923" cy="369332"/>
               </a:xfrm>
               <a:prstGeom prst="rect">
@@ -4294,7 +4294,7 @@
             </p:nvSpPr>
             <p:spPr>
               <a:xfrm>
-                <a:off x="7374803" y="3527508"/>
+                <a:off x="7483860" y="3544286"/>
                 <a:ext cx="748923" cy="369332"/>
               </a:xfrm>
               <a:prstGeom prst="rect">
@@ -4338,7 +4338,7 @@
         </p:nvCxnSpPr>
         <p:spPr>
           <a:xfrm>
-            <a:off x="6690293" y="2512974"/>
+            <a:off x="6564458" y="2514411"/>
             <a:ext cx="0" cy="914589"/>
           </a:xfrm>
           <a:prstGeom prst="straightConnector1">
@@ -4382,7 +4382,7 @@
             </p:nvSpPr>
             <p:spPr>
               <a:xfrm>
-                <a:off x="4516881" y="2580108"/>
+                <a:off x="4574394" y="2580108"/>
                 <a:ext cx="1928733" cy="646331"/>
               </a:xfrm>
               <a:prstGeom prst="rect">
@@ -4472,7 +4472,7 @@
             </p:nvSpPr>
             <p:spPr>
               <a:xfrm>
-                <a:off x="4516881" y="2580108"/>
+                <a:off x="4574394" y="2580108"/>
                 <a:ext cx="1928733" cy="646331"/>
               </a:xfrm>
               <a:prstGeom prst="rect">
@@ -4514,8 +4514,8 @@
         </p:nvSpPr>
         <p:spPr>
           <a:xfrm>
-            <a:off x="5961927" y="3587899"/>
-            <a:ext cx="1108938" cy="1062681"/>
+            <a:off x="6095999" y="3570740"/>
+            <a:ext cx="1145107" cy="1110311"/>
           </a:xfrm>
           <a:prstGeom prst="rect">
             <a:avLst/>
@@ -4572,7 +4572,7 @@
                   </a:outerShdw>
                 </a:effectLst>
               </a:rPr>
-              <a:t>Generated</a:t>
+              <a:t>Predicted</a:t>
             </a:r>
           </a:p>
           <a:p>
@@ -4627,7 +4627,7 @@
         </p:nvCxnSpPr>
         <p:spPr>
           <a:xfrm>
-            <a:off x="7305671" y="3975947"/>
+            <a:off x="7389561" y="3975947"/>
             <a:ext cx="964970" cy="0"/>
           </a:xfrm>
           <a:prstGeom prst="straightConnector1">
@@ -4669,7 +4669,7 @@
         </p:nvCxnSpPr>
         <p:spPr>
           <a:xfrm rot="10800000">
-            <a:off x="7291947" y="4228741"/>
+            <a:off x="7350368" y="4235542"/>
             <a:ext cx="964970" cy="0"/>
           </a:xfrm>
           <a:prstGeom prst="straightConnector1">
@@ -4713,7 +4713,7 @@
         </p:nvCxnSpPr>
         <p:spPr>
           <a:xfrm rot="10800000">
-            <a:off x="6445614" y="2479418"/>
+            <a:off x="6764396" y="2492858"/>
             <a:ext cx="0" cy="914589"/>
           </a:xfrm>
           <a:prstGeom prst="straightConnector1">
